--- a/2020_21_gfif_zahlensysteme_slides.pptx
+++ b/2020_21_gfif_zahlensysteme_slides.pptx
@@ -5,7 +5,7 @@
     <p:sldMasterId id="2147483648" r:id="rId1"/>
   </p:sldMasterIdLst>
   <p:notesMasterIdLst>
-    <p:notesMasterId r:id="rId13"/>
+    <p:notesMasterId r:id="rId14"/>
   </p:notesMasterIdLst>
   <p:sldIdLst>
     <p:sldId id="256" r:id="rId2"/>
@@ -18,7 +18,8 @@
     <p:sldId id="269" r:id="rId9"/>
     <p:sldId id="267" r:id="rId10"/>
     <p:sldId id="270" r:id="rId11"/>
-    <p:sldId id="266" r:id="rId12"/>
+    <p:sldId id="271" r:id="rId12"/>
+    <p:sldId id="266" r:id="rId13"/>
   </p:sldIdLst>
   <p:sldSz cx="12192000" cy="6858000"/>
   <p:notesSz cx="6858000" cy="9144000"/>
@@ -4014,13 +4015,8 @@
             </a:br>
             <a:r>
               <a:rPr lang="de-DE" dirty="0"/>
-              <a:t>Kümmere dich zunächst nur um das Graphische, also die farbigen Kreise, Kreuze </a:t>
-            </a:r>
-            <a:r>
-              <a:rPr lang="de-DE"/>
-              <a:t>und Rechtecke</a:t>
-            </a:r>
-            <a:endParaRPr lang="de-DE" dirty="0"/>
+              <a:t>Kümmere dich zunächst nur um das Graphische, also die farbigen Kreise, Kreuze und Rechtecke</a:t>
+            </a:r>
           </a:p>
         </p:txBody>
       </p:sp>
@@ -4034,6 +4030,137 @@
   <p:clrMapOvr>
     <a:masterClrMapping/>
   </p:clrMapOvr>
+  <p:timing>
+    <p:tnLst>
+      <p:par>
+        <p:cTn id="1" dur="indefinite" restart="never" nodeType="tmRoot">
+          <p:childTnLst>
+            <p:seq concurrent="1" nextAc="seek">
+              <p:cTn id="2" dur="indefinite" nodeType="mainSeq">
+                <p:childTnLst>
+                  <p:par>
+                    <p:cTn id="3" fill="hold">
+                      <p:stCondLst>
+                        <p:cond delay="indefinite"/>
+                      </p:stCondLst>
+                      <p:childTnLst>
+                        <p:par>
+                          <p:cTn id="4" fill="hold">
+                            <p:stCondLst>
+                              <p:cond delay="0"/>
+                            </p:stCondLst>
+                            <p:childTnLst>
+                              <p:par>
+                                <p:cTn id="5" presetID="1" presetClass="entr" presetSubtype="0" fill="hold" grpId="0" nodeType="clickEffect">
+                                  <p:stCondLst>
+                                    <p:cond delay="0"/>
+                                  </p:stCondLst>
+                                  <p:childTnLst>
+                                    <p:set>
+                                      <p:cBhvr>
+                                        <p:cTn id="6" dur="1" fill="hold">
+                                          <p:stCondLst>
+                                            <p:cond delay="0"/>
+                                          </p:stCondLst>
+                                        </p:cTn>
+                                        <p:tgtEl>
+                                          <p:spTgt spid="3">
+                                            <p:txEl>
+                                              <p:pRg st="0" end="0"/>
+                                            </p:txEl>
+                                          </p:spTgt>
+                                        </p:tgtEl>
+                                        <p:attrNameLst>
+                                          <p:attrName>style.visibility</p:attrName>
+                                        </p:attrNameLst>
+                                      </p:cBhvr>
+                                      <p:to>
+                                        <p:strVal val="visible"/>
+                                      </p:to>
+                                    </p:set>
+                                  </p:childTnLst>
+                                </p:cTn>
+                              </p:par>
+                            </p:childTnLst>
+                          </p:cTn>
+                        </p:par>
+                      </p:childTnLst>
+                    </p:cTn>
+                  </p:par>
+                  <p:par>
+                    <p:cTn id="7" fill="hold">
+                      <p:stCondLst>
+                        <p:cond delay="indefinite"/>
+                      </p:stCondLst>
+                      <p:childTnLst>
+                        <p:par>
+                          <p:cTn id="8" fill="hold">
+                            <p:stCondLst>
+                              <p:cond delay="0"/>
+                            </p:stCondLst>
+                            <p:childTnLst>
+                              <p:par>
+                                <p:cTn id="9" presetID="1" presetClass="entr" presetSubtype="0" fill="hold" grpId="0" nodeType="clickEffect">
+                                  <p:stCondLst>
+                                    <p:cond delay="0"/>
+                                  </p:stCondLst>
+                                  <p:childTnLst>
+                                    <p:set>
+                                      <p:cBhvr>
+                                        <p:cTn id="10" dur="1" fill="hold">
+                                          <p:stCondLst>
+                                            <p:cond delay="0"/>
+                                          </p:stCondLst>
+                                        </p:cTn>
+                                        <p:tgtEl>
+                                          <p:spTgt spid="3">
+                                            <p:txEl>
+                                              <p:pRg st="1" end="1"/>
+                                            </p:txEl>
+                                          </p:spTgt>
+                                        </p:tgtEl>
+                                        <p:attrNameLst>
+                                          <p:attrName>style.visibility</p:attrName>
+                                        </p:attrNameLst>
+                                      </p:cBhvr>
+                                      <p:to>
+                                        <p:strVal val="visible"/>
+                                      </p:to>
+                                    </p:set>
+                                  </p:childTnLst>
+                                </p:cTn>
+                              </p:par>
+                            </p:childTnLst>
+                          </p:cTn>
+                        </p:par>
+                      </p:childTnLst>
+                    </p:cTn>
+                  </p:par>
+                </p:childTnLst>
+              </p:cTn>
+              <p:prevCondLst>
+                <p:cond evt="onPrev" delay="0">
+                  <p:tgtEl>
+                    <p:sldTgt/>
+                  </p:tgtEl>
+                </p:cond>
+              </p:prevCondLst>
+              <p:nextCondLst>
+                <p:cond evt="onNext" delay="0">
+                  <p:tgtEl>
+                    <p:sldTgt/>
+                  </p:tgtEl>
+                </p:cond>
+              </p:nextCondLst>
+            </p:seq>
+          </p:childTnLst>
+        </p:cTn>
+      </p:par>
+    </p:tnLst>
+    <p:bldLst>
+      <p:bldP spid="3" grpId="0" build="p"/>
+    </p:bldLst>
+  </p:timing>
 </p:sld>
 </file>
 
@@ -4059,7 +4186,7 @@
           <p:cNvPr id="2" name="Titel 1">
             <a:extLst>
               <a:ext uri="{FF2B5EF4-FFF2-40B4-BE49-F238E27FC236}">
-                <a16:creationId xmlns:a16="http://schemas.microsoft.com/office/drawing/2014/main" id="{7E24679A-9B82-9F42-ADDE-1045D277E11C}"/>
+                <a16:creationId xmlns:a16="http://schemas.microsoft.com/office/drawing/2014/main" id="{0C172196-EB1F-C14E-B9E3-96B1FAA790ED}"/>
               </a:ext>
             </a:extLst>
           </p:cNvPr>
@@ -4077,7 +4204,7 @@
           <a:p>
             <a:r>
               <a:rPr lang="de-DE" dirty="0"/>
-              <a:t>Nächste Lektionen?</a:t>
+              <a:t>Ziele erreicht?</a:t>
             </a:r>
           </a:p>
         </p:txBody>
@@ -4087,7 +4214,7 @@
           <p:cNvPr id="3" name="Inhaltsplatzhalter 2">
             <a:extLst>
               <a:ext uri="{FF2B5EF4-FFF2-40B4-BE49-F238E27FC236}">
-                <a16:creationId xmlns:a16="http://schemas.microsoft.com/office/drawing/2014/main" id="{BE1CE14C-A4B7-5C48-9C3B-2BFDEAB3EADC}"/>
+                <a16:creationId xmlns:a16="http://schemas.microsoft.com/office/drawing/2014/main" id="{57915FBE-3358-E946-8E9E-8B9188C43A11}"/>
               </a:ext>
             </a:extLst>
           </p:cNvPr>
@@ -4105,6 +4232,240 @@
           <a:p>
             <a:r>
               <a:rPr lang="de-DE" dirty="0"/>
+              <a:t>Wissen, warum Binärsystem relevant ist</a:t>
+            </a:r>
+          </a:p>
+          <a:p>
+            <a:endParaRPr lang="de-DE" dirty="0"/>
+          </a:p>
+          <a:p>
+            <a:r>
+              <a:rPr lang="de-DE" dirty="0"/>
+              <a:t>Uhr am </a:t>
+            </a:r>
+            <a:r>
+              <a:rPr lang="de-DE" dirty="0" err="1"/>
+              <a:t>Bhf</a:t>
+            </a:r>
+            <a:r>
+              <a:rPr lang="de-DE" dirty="0"/>
+              <a:t> St. Gallen entziffern können</a:t>
+            </a:r>
+          </a:p>
+        </p:txBody>
+      </p:sp>
+    </p:spTree>
+    <p:extLst>
+      <p:ext uri="{BB962C8B-B14F-4D97-AF65-F5344CB8AC3E}">
+        <p14:creationId xmlns:p14="http://schemas.microsoft.com/office/powerpoint/2010/main" val="618226188"/>
+      </p:ext>
+    </p:extLst>
+  </p:cSld>
+  <p:clrMapOvr>
+    <a:masterClrMapping/>
+  </p:clrMapOvr>
+  <p:timing>
+    <p:tnLst>
+      <p:par>
+        <p:cTn id="1" dur="indefinite" restart="never" nodeType="tmRoot">
+          <p:childTnLst>
+            <p:seq concurrent="1" nextAc="seek">
+              <p:cTn id="2" dur="indefinite" nodeType="mainSeq">
+                <p:childTnLst>
+                  <p:par>
+                    <p:cTn id="3" fill="hold">
+                      <p:stCondLst>
+                        <p:cond delay="indefinite"/>
+                      </p:stCondLst>
+                      <p:childTnLst>
+                        <p:par>
+                          <p:cTn id="4" fill="hold">
+                            <p:stCondLst>
+                              <p:cond delay="0"/>
+                            </p:stCondLst>
+                            <p:childTnLst>
+                              <p:par>
+                                <p:cTn id="5" presetID="1" presetClass="entr" presetSubtype="0" fill="hold" grpId="0" nodeType="clickEffect">
+                                  <p:stCondLst>
+                                    <p:cond delay="0"/>
+                                  </p:stCondLst>
+                                  <p:childTnLst>
+                                    <p:set>
+                                      <p:cBhvr>
+                                        <p:cTn id="6" dur="1" fill="hold">
+                                          <p:stCondLst>
+                                            <p:cond delay="0"/>
+                                          </p:stCondLst>
+                                        </p:cTn>
+                                        <p:tgtEl>
+                                          <p:spTgt spid="3">
+                                            <p:txEl>
+                                              <p:pRg st="0" end="0"/>
+                                            </p:txEl>
+                                          </p:spTgt>
+                                        </p:tgtEl>
+                                        <p:attrNameLst>
+                                          <p:attrName>style.visibility</p:attrName>
+                                        </p:attrNameLst>
+                                      </p:cBhvr>
+                                      <p:to>
+                                        <p:strVal val="visible"/>
+                                      </p:to>
+                                    </p:set>
+                                  </p:childTnLst>
+                                </p:cTn>
+                              </p:par>
+                            </p:childTnLst>
+                          </p:cTn>
+                        </p:par>
+                      </p:childTnLst>
+                    </p:cTn>
+                  </p:par>
+                  <p:par>
+                    <p:cTn id="7" fill="hold">
+                      <p:stCondLst>
+                        <p:cond delay="indefinite"/>
+                      </p:stCondLst>
+                      <p:childTnLst>
+                        <p:par>
+                          <p:cTn id="8" fill="hold">
+                            <p:stCondLst>
+                              <p:cond delay="0"/>
+                            </p:stCondLst>
+                            <p:childTnLst>
+                              <p:par>
+                                <p:cTn id="9" presetID="1" presetClass="entr" presetSubtype="0" fill="hold" grpId="0" nodeType="clickEffect">
+                                  <p:stCondLst>
+                                    <p:cond delay="0"/>
+                                  </p:stCondLst>
+                                  <p:childTnLst>
+                                    <p:set>
+                                      <p:cBhvr>
+                                        <p:cTn id="10" dur="1" fill="hold">
+                                          <p:stCondLst>
+                                            <p:cond delay="0"/>
+                                          </p:stCondLst>
+                                        </p:cTn>
+                                        <p:tgtEl>
+                                          <p:spTgt spid="3">
+                                            <p:txEl>
+                                              <p:pRg st="2" end="2"/>
+                                            </p:txEl>
+                                          </p:spTgt>
+                                        </p:tgtEl>
+                                        <p:attrNameLst>
+                                          <p:attrName>style.visibility</p:attrName>
+                                        </p:attrNameLst>
+                                      </p:cBhvr>
+                                      <p:to>
+                                        <p:strVal val="visible"/>
+                                      </p:to>
+                                    </p:set>
+                                  </p:childTnLst>
+                                </p:cTn>
+                              </p:par>
+                            </p:childTnLst>
+                          </p:cTn>
+                        </p:par>
+                      </p:childTnLst>
+                    </p:cTn>
+                  </p:par>
+                </p:childTnLst>
+              </p:cTn>
+              <p:prevCondLst>
+                <p:cond evt="onPrev" delay="0">
+                  <p:tgtEl>
+                    <p:sldTgt/>
+                  </p:tgtEl>
+                </p:cond>
+              </p:prevCondLst>
+              <p:nextCondLst>
+                <p:cond evt="onNext" delay="0">
+                  <p:tgtEl>
+                    <p:sldTgt/>
+                  </p:tgtEl>
+                </p:cond>
+              </p:nextCondLst>
+            </p:seq>
+          </p:childTnLst>
+        </p:cTn>
+      </p:par>
+    </p:tnLst>
+    <p:bldLst>
+      <p:bldP spid="3" grpId="0" build="p"/>
+    </p:bldLst>
+  </p:timing>
+</p:sld>
+</file>
+
+<file path=ppt/slides/slide12.xml><?xml version="1.0" encoding="utf-8"?>
+<p:sld xmlns:a="http://schemas.openxmlformats.org/drawingml/2006/main" xmlns:r="http://schemas.openxmlformats.org/officeDocument/2006/relationships" xmlns:p="http://schemas.openxmlformats.org/presentationml/2006/main">
+  <p:cSld>
+    <p:spTree>
+      <p:nvGrpSpPr>
+        <p:cNvPr id="1" name=""/>
+        <p:cNvGrpSpPr/>
+        <p:nvPr/>
+      </p:nvGrpSpPr>
+      <p:grpSpPr>
+        <a:xfrm>
+          <a:off x="0" y="0"/>
+          <a:ext cx="0" cy="0"/>
+          <a:chOff x="0" y="0"/>
+          <a:chExt cx="0" cy="0"/>
+        </a:xfrm>
+      </p:grpSpPr>
+      <p:sp>
+        <p:nvSpPr>
+          <p:cNvPr id="2" name="Titel 1">
+            <a:extLst>
+              <a:ext uri="{FF2B5EF4-FFF2-40B4-BE49-F238E27FC236}">
+                <a16:creationId xmlns:a16="http://schemas.microsoft.com/office/drawing/2014/main" id="{7E24679A-9B82-9F42-ADDE-1045D277E11C}"/>
+              </a:ext>
+            </a:extLst>
+          </p:cNvPr>
+          <p:cNvSpPr>
+            <a:spLocks noGrp="1"/>
+          </p:cNvSpPr>
+          <p:nvPr>
+            <p:ph type="title"/>
+          </p:nvPr>
+        </p:nvSpPr>
+        <p:spPr/>
+        <p:txBody>
+          <a:bodyPr/>
+          <a:lstStyle/>
+          <a:p>
+            <a:r>
+              <a:rPr lang="de-DE" dirty="0"/>
+              <a:t>Nächste Lektionen?</a:t>
+            </a:r>
+          </a:p>
+        </p:txBody>
+      </p:sp>
+      <p:sp>
+        <p:nvSpPr>
+          <p:cNvPr id="3" name="Inhaltsplatzhalter 2">
+            <a:extLst>
+              <a:ext uri="{FF2B5EF4-FFF2-40B4-BE49-F238E27FC236}">
+                <a16:creationId xmlns:a16="http://schemas.microsoft.com/office/drawing/2014/main" id="{BE1CE14C-A4B7-5C48-9C3B-2BFDEAB3EADC}"/>
+              </a:ext>
+            </a:extLst>
+          </p:cNvPr>
+          <p:cNvSpPr>
+            <a:spLocks noGrp="1"/>
+          </p:cNvSpPr>
+          <p:nvPr>
+            <p:ph idx="1"/>
+          </p:nvPr>
+        </p:nvSpPr>
+        <p:spPr/>
+        <p:txBody>
+          <a:bodyPr/>
+          <a:lstStyle/>
+          <a:p>
+            <a:r>
+              <a:rPr lang="de-DE" dirty="0"/>
               <a:t>Wie genau funktionieren Zahlensysteme?</a:t>
             </a:r>
           </a:p>
@@ -4118,6 +4479,12 @@
             <a:r>
               <a:rPr lang="de-DE" dirty="0"/>
               <a:t>Wie rechnen im Binärsystem?</a:t>
+            </a:r>
+          </a:p>
+          <a:p>
+            <a:r>
+              <a:rPr lang="de-DE" dirty="0"/>
+              <a:t>Einige zugehörige Algorithmen verstehen und programmieren, z.B. Dezimalsystem -&gt; Binärsystem</a:t>
             </a:r>
           </a:p>
         </p:txBody>
@@ -4267,6 +4634,55 @@
                                           <p:spTgt spid="3">
                                             <p:txEl>
                                               <p:pRg st="2" end="2"/>
+                                            </p:txEl>
+                                          </p:spTgt>
+                                        </p:tgtEl>
+                                        <p:attrNameLst>
+                                          <p:attrName>style.visibility</p:attrName>
+                                        </p:attrNameLst>
+                                      </p:cBhvr>
+                                      <p:to>
+                                        <p:strVal val="visible"/>
+                                      </p:to>
+                                    </p:set>
+                                  </p:childTnLst>
+                                </p:cTn>
+                              </p:par>
+                            </p:childTnLst>
+                          </p:cTn>
+                        </p:par>
+                      </p:childTnLst>
+                    </p:cTn>
+                  </p:par>
+                  <p:par>
+                    <p:cTn id="15" fill="hold">
+                      <p:stCondLst>
+                        <p:cond delay="indefinite"/>
+                      </p:stCondLst>
+                      <p:childTnLst>
+                        <p:par>
+                          <p:cTn id="16" fill="hold">
+                            <p:stCondLst>
+                              <p:cond delay="0"/>
+                            </p:stCondLst>
+                            <p:childTnLst>
+                              <p:par>
+                                <p:cTn id="17" presetID="1" presetClass="entr" presetSubtype="0" fill="hold" grpId="0" nodeType="clickEffect">
+                                  <p:stCondLst>
+                                    <p:cond delay="0"/>
+                                  </p:stCondLst>
+                                  <p:childTnLst>
+                                    <p:set>
+                                      <p:cBhvr>
+                                        <p:cTn id="18" dur="1" fill="hold">
+                                          <p:stCondLst>
+                                            <p:cond delay="0"/>
+                                          </p:stCondLst>
+                                        </p:cTn>
+                                        <p:tgtEl>
+                                          <p:spTgt spid="3">
+                                            <p:txEl>
+                                              <p:pRg st="3" end="3"/>
                                             </p:txEl>
                                           </p:spTgt>
                                         </p:tgtEl>
@@ -7777,7 +8193,7 @@
           <a:p>
             <a:r>
               <a:rPr lang="de-DE" sz="3400" dirty="0"/>
-              <a:t>Aufgabe 2: 23:59:00</a:t>
+              <a:t>Aufgabe 2: 23:59:59</a:t>
             </a:r>
           </a:p>
           <a:p>
